--- a/论文中的图.pptx
+++ b/论文中的图.pptx
@@ -5,7 +5,9 @@
     <p:sldMasterId id="2147483648" r:id="rId1"/>
   </p:sldMasterIdLst>
   <p:sldIdLst>
-    <p:sldId id="256" r:id="rId2"/>
+    <p:sldId id="257" r:id="rId2"/>
+    <p:sldId id="256" r:id="rId3"/>
+    <p:sldId id="258" r:id="rId4"/>
   </p:sldIdLst>
   <p:sldSz cx="9144000" cy="6858000" type="screen4x3"/>
   <p:notesSz cx="6858000" cy="9144000"/>
@@ -104,6 +106,22 @@
       </a:defRPr>
     </a:lvl9pPr>
   </p:defaultTextStyle>
+  <p:extLst>
+    <p:ext uri="{EFAFB233-063F-42B5-8137-9DF3F51BA10A}">
+      <p15:sldGuideLst xmlns:p15="http://schemas.microsoft.com/office/powerpoint/2012/main">
+        <p15:guide id="1" orient="horz" pos="2160">
+          <p15:clr>
+            <a:srgbClr val="A4A3A4"/>
+          </p15:clr>
+        </p15:guide>
+        <p15:guide id="2" pos="2880">
+          <p15:clr>
+            <a:srgbClr val="A4A3A4"/>
+          </p15:clr>
+        </p15:guide>
+      </p15:sldGuideLst>
+    </p:ext>
+  </p:extLst>
 </p:presentation>
 </file>
 
@@ -3037,6 +3055,143 @@
       </p:grpSpPr>
       <p:sp>
         <p:nvSpPr>
+          <p:cNvPr id="4" name="文本框 3"/>
+          <p:cNvSpPr txBox="1"/>
+          <p:nvPr/>
+        </p:nvSpPr>
+        <p:spPr>
+          <a:xfrm>
+            <a:off x="1043608" y="692696"/>
+            <a:ext cx="4464496" cy="2031325"/>
+          </a:xfrm>
+          <a:prstGeom prst="rect">
+            <a:avLst/>
+          </a:prstGeom>
+          <a:noFill/>
+        </p:spPr>
+        <p:txBody>
+          <a:bodyPr wrap="square" rtlCol="0">
+            <a:spAutoFit/>
+          </a:bodyPr>
+          <a:lstStyle/>
+          <a:p>
+            <a:r>
+              <a:rPr lang="en-US" altLang="zh-CN" dirty="0" smtClean="0"/>
+              <a:t>To do</a:t>
+            </a:r>
+          </a:p>
+          <a:p>
+            <a:r>
+              <a:rPr lang="en-US" altLang="zh-CN" dirty="0" smtClean="0"/>
+              <a:t>1 turbo</a:t>
+            </a:r>
+            <a:r>
+              <a:rPr lang="zh-CN" altLang="en-US" dirty="0" smtClean="0"/>
+              <a:t>的迭代译码</a:t>
+            </a:r>
+            <a:endParaRPr lang="en-US" altLang="zh-CN" dirty="0" smtClean="0"/>
+          </a:p>
+          <a:p>
+            <a:r>
+              <a:rPr lang="en-US" altLang="zh-CN" dirty="0" smtClean="0"/>
+              <a:t>2 turbo</a:t>
+            </a:r>
+            <a:r>
+              <a:rPr lang="zh-CN" altLang="en-US" dirty="0" smtClean="0"/>
+              <a:t>八状态转换图</a:t>
+            </a:r>
+            <a:endParaRPr lang="en-US" altLang="zh-CN" dirty="0" smtClean="0"/>
+          </a:p>
+          <a:p>
+            <a:r>
+              <a:rPr lang="en-US" altLang="zh-CN" dirty="0" smtClean="0"/>
+              <a:t>3 CCM</a:t>
+            </a:r>
+            <a:r>
+              <a:rPr lang="zh-CN" altLang="en-US" dirty="0" smtClean="0"/>
+              <a:t>的</a:t>
+            </a:r>
+            <a:r>
+              <a:rPr lang="en-US" altLang="zh-CN" dirty="0" err="1" smtClean="0"/>
+              <a:t>psnr</a:t>
+            </a:r>
+            <a:endParaRPr lang="en-US" altLang="zh-CN" dirty="0" smtClean="0"/>
+          </a:p>
+          <a:p>
+            <a:r>
+              <a:rPr lang="en-US" altLang="zh-CN" dirty="0" smtClean="0"/>
+              <a:t>4 COQRC</a:t>
+            </a:r>
+            <a:r>
+              <a:rPr lang="zh-CN" altLang="en-US" dirty="0" smtClean="0"/>
+              <a:t>的直观效果图</a:t>
+            </a:r>
+            <a:endParaRPr lang="en-US" altLang="zh-CN" dirty="0" smtClean="0"/>
+          </a:p>
+          <a:p>
+            <a:r>
+              <a:rPr lang="en-US" altLang="zh-CN" dirty="0" smtClean="0"/>
+              <a:t>5 TURBO</a:t>
+            </a:r>
+            <a:r>
+              <a:rPr lang="zh-CN" altLang="en-US" dirty="0" smtClean="0"/>
+              <a:t>在不同参数下的性能的文献</a:t>
+            </a:r>
+            <a:endParaRPr lang="en-US" altLang="zh-CN" dirty="0" smtClean="0"/>
+          </a:p>
+          <a:p>
+            <a:r>
+              <a:rPr lang="en-US" altLang="zh-CN" dirty="0" smtClean="0"/>
+              <a:t>6 </a:t>
+            </a:r>
+            <a:r>
+              <a:rPr lang="zh-CN" altLang="en-US" dirty="0" smtClean="0"/>
+              <a:t>不同稀疏性</a:t>
+            </a:r>
+            <a:r>
+              <a:rPr lang="en-US" altLang="zh-CN" dirty="0" smtClean="0"/>
+              <a:t>CCM</a:t>
+            </a:r>
+            <a:r>
+              <a:rPr lang="zh-CN" altLang="en-US" dirty="0" smtClean="0"/>
+              <a:t>的谱效率</a:t>
+            </a:r>
+            <a:endParaRPr lang="zh-CN" altLang="en-US" dirty="0"/>
+          </a:p>
+        </p:txBody>
+      </p:sp>
+    </p:spTree>
+    <p:extLst>
+      <p:ext uri="{BB962C8B-B14F-4D97-AF65-F5344CB8AC3E}">
+        <p14:creationId xmlns:p14="http://schemas.microsoft.com/office/powerpoint/2010/main" val="3291834241"/>
+      </p:ext>
+    </p:extLst>
+  </p:cSld>
+  <p:clrMapOvr>
+    <a:masterClrMapping/>
+  </p:clrMapOvr>
+</p:sld>
+</file>
+
+<file path=ppt/slides/slide2.xml><?xml version="1.0" encoding="utf-8"?>
+<p:sld xmlns:a="http://schemas.openxmlformats.org/drawingml/2006/main" xmlns:r="http://schemas.openxmlformats.org/officeDocument/2006/relationships" xmlns:p="http://schemas.openxmlformats.org/presentationml/2006/main">
+  <p:cSld>
+    <p:spTree>
+      <p:nvGrpSpPr>
+        <p:cNvPr id="1" name=""/>
+        <p:cNvGrpSpPr/>
+        <p:nvPr/>
+      </p:nvGrpSpPr>
+      <p:grpSpPr>
+        <a:xfrm>
+          <a:off x="0" y="0"/>
+          <a:ext cx="0" cy="0"/>
+          <a:chOff x="0" y="0"/>
+          <a:chExt cx="0" cy="0"/>
+        </a:xfrm>
+      </p:grpSpPr>
+      <p:sp>
+        <p:nvSpPr>
           <p:cNvPr id="4" name="椭圆 3"/>
           <p:cNvSpPr/>
           <p:nvPr/>
@@ -3889,6 +4044,1664 @@
     <p:extLst>
       <p:ext uri="{BB962C8B-B14F-4D97-AF65-F5344CB8AC3E}">
         <p14:creationId xmlns:p14="http://schemas.microsoft.com/office/powerpoint/2010/main" val="514934933"/>
+      </p:ext>
+    </p:extLst>
+  </p:cSld>
+  <p:clrMapOvr>
+    <a:masterClrMapping/>
+  </p:clrMapOvr>
+</p:sld>
+</file>
+
+<file path=ppt/slides/slide3.xml><?xml version="1.0" encoding="utf-8"?>
+<p:sld xmlns:a="http://schemas.openxmlformats.org/drawingml/2006/main" xmlns:r="http://schemas.openxmlformats.org/officeDocument/2006/relationships" xmlns:p="http://schemas.openxmlformats.org/presentationml/2006/main">
+  <p:cSld>
+    <p:spTree>
+      <p:nvGrpSpPr>
+        <p:cNvPr id="1" name=""/>
+        <p:cNvGrpSpPr/>
+        <p:nvPr/>
+      </p:nvGrpSpPr>
+      <p:grpSpPr>
+        <a:xfrm>
+          <a:off x="0" y="0"/>
+          <a:ext cx="0" cy="0"/>
+          <a:chOff x="0" y="0"/>
+          <a:chExt cx="0" cy="0"/>
+        </a:xfrm>
+      </p:grpSpPr>
+      <p:sp>
+        <p:nvSpPr>
+          <p:cNvPr id="4" name="矩形 3"/>
+          <p:cNvSpPr/>
+          <p:nvPr/>
+        </p:nvSpPr>
+        <p:spPr>
+          <a:xfrm>
+            <a:off x="395536" y="1700808"/>
+            <a:ext cx="576064" cy="3024336"/>
+          </a:xfrm>
+          <a:prstGeom prst="rect">
+            <a:avLst/>
+          </a:prstGeom>
+        </p:spPr>
+        <p:style>
+          <a:lnRef idx="2">
+            <a:schemeClr val="accent1">
+              <a:shade val="50000"/>
+            </a:schemeClr>
+          </a:lnRef>
+          <a:fillRef idx="1">
+            <a:schemeClr val="accent1"/>
+          </a:fillRef>
+          <a:effectRef idx="0">
+            <a:schemeClr val="accent1"/>
+          </a:effectRef>
+          <a:fontRef idx="minor">
+            <a:schemeClr val="lt1"/>
+          </a:fontRef>
+        </p:style>
+        <p:txBody>
+          <a:bodyPr rtlCol="0" anchor="ctr"/>
+          <a:lstStyle/>
+          <a:p>
+            <a:pPr algn="ctr"/>
+            <a:r>
+              <a:rPr lang="zh-CN" altLang="en-US" dirty="0" smtClean="0"/>
+              <a:t>信道输出</a:t>
+            </a:r>
+            <a:endParaRPr lang="zh-CN" altLang="en-US" dirty="0"/>
+          </a:p>
+        </p:txBody>
+      </p:sp>
+      <p:sp>
+        <p:nvSpPr>
+          <p:cNvPr id="5" name="矩形 4"/>
+          <p:cNvSpPr/>
+          <p:nvPr/>
+        </p:nvSpPr>
+        <p:spPr>
+          <a:xfrm>
+            <a:off x="2267744" y="1700808"/>
+            <a:ext cx="1440160" cy="720080"/>
+          </a:xfrm>
+          <a:prstGeom prst="rect">
+            <a:avLst/>
+          </a:prstGeom>
+        </p:spPr>
+        <p:style>
+          <a:lnRef idx="2">
+            <a:schemeClr val="accent1">
+              <a:shade val="50000"/>
+            </a:schemeClr>
+          </a:lnRef>
+          <a:fillRef idx="1">
+            <a:schemeClr val="accent1"/>
+          </a:fillRef>
+          <a:effectRef idx="0">
+            <a:schemeClr val="accent1"/>
+          </a:effectRef>
+          <a:fontRef idx="minor">
+            <a:schemeClr val="lt1"/>
+          </a:fontRef>
+        </p:style>
+        <p:txBody>
+          <a:bodyPr rtlCol="0" anchor="ctr"/>
+          <a:lstStyle/>
+          <a:p>
+            <a:pPr algn="ctr"/>
+            <a:r>
+              <a:rPr lang="en-US" altLang="zh-CN" dirty="0" smtClean="0"/>
+              <a:t>Log-map1</a:t>
+            </a:r>
+            <a:endParaRPr lang="zh-CN" altLang="en-US" dirty="0"/>
+          </a:p>
+        </p:txBody>
+      </p:sp>
+      <p:sp>
+        <p:nvSpPr>
+          <p:cNvPr id="8" name="矩形 7"/>
+          <p:cNvSpPr/>
+          <p:nvPr/>
+        </p:nvSpPr>
+        <p:spPr>
+          <a:xfrm>
+            <a:off x="4211960" y="1700808"/>
+            <a:ext cx="1224136" cy="720080"/>
+          </a:xfrm>
+          <a:prstGeom prst="rect">
+            <a:avLst/>
+          </a:prstGeom>
+        </p:spPr>
+        <p:style>
+          <a:lnRef idx="2">
+            <a:schemeClr val="accent1">
+              <a:shade val="50000"/>
+            </a:schemeClr>
+          </a:lnRef>
+          <a:fillRef idx="1">
+            <a:schemeClr val="accent1"/>
+          </a:fillRef>
+          <a:effectRef idx="0">
+            <a:schemeClr val="accent1"/>
+          </a:effectRef>
+          <a:fontRef idx="minor">
+            <a:schemeClr val="lt1"/>
+          </a:fontRef>
+        </p:style>
+        <p:txBody>
+          <a:bodyPr rtlCol="0" anchor="ctr"/>
+          <a:lstStyle/>
+          <a:p>
+            <a:pPr algn="ctr"/>
+            <a:r>
+              <a:rPr lang="zh-CN" altLang="en-US" dirty="0" smtClean="0"/>
+              <a:t>外信息</a:t>
+            </a:r>
+            <a:endParaRPr lang="zh-CN" altLang="en-US" dirty="0"/>
+          </a:p>
+        </p:txBody>
+      </p:sp>
+      <p:sp>
+        <p:nvSpPr>
+          <p:cNvPr id="9" name="矩形 8"/>
+          <p:cNvSpPr/>
+          <p:nvPr/>
+        </p:nvSpPr>
+        <p:spPr>
+          <a:xfrm>
+            <a:off x="2267744" y="2852936"/>
+            <a:ext cx="1440160" cy="720080"/>
+          </a:xfrm>
+          <a:prstGeom prst="rect">
+            <a:avLst/>
+          </a:prstGeom>
+        </p:spPr>
+        <p:style>
+          <a:lnRef idx="2">
+            <a:schemeClr val="accent1">
+              <a:shade val="50000"/>
+            </a:schemeClr>
+          </a:lnRef>
+          <a:fillRef idx="1">
+            <a:schemeClr val="accent1"/>
+          </a:fillRef>
+          <a:effectRef idx="0">
+            <a:schemeClr val="accent1"/>
+          </a:effectRef>
+          <a:fontRef idx="minor">
+            <a:schemeClr val="lt1"/>
+          </a:fontRef>
+        </p:style>
+        <p:txBody>
+          <a:bodyPr rtlCol="0" anchor="ctr"/>
+          <a:lstStyle/>
+          <a:p>
+            <a:pPr algn="ctr"/>
+            <a:r>
+              <a:rPr lang="zh-CN" altLang="en-US" dirty="0" smtClean="0"/>
+              <a:t>地址选择</a:t>
+            </a:r>
+            <a:endParaRPr lang="en-US" altLang="zh-CN" dirty="0" smtClean="0"/>
+          </a:p>
+          <a:p>
+            <a:pPr algn="ctr"/>
+            <a:r>
+              <a:rPr lang="zh-CN" altLang="en-US" dirty="0" smtClean="0"/>
+              <a:t>生成器</a:t>
+            </a:r>
+            <a:r>
+              <a:rPr lang="en-US" altLang="zh-CN" dirty="0" smtClean="0"/>
+              <a:t>1</a:t>
+            </a:r>
+            <a:endParaRPr lang="zh-CN" altLang="en-US" dirty="0"/>
+          </a:p>
+        </p:txBody>
+      </p:sp>
+      <p:sp>
+        <p:nvSpPr>
+          <p:cNvPr id="10" name="矩形 9"/>
+          <p:cNvSpPr/>
+          <p:nvPr/>
+        </p:nvSpPr>
+        <p:spPr>
+          <a:xfrm>
+            <a:off x="4139952" y="2852936"/>
+            <a:ext cx="1374679" cy="720080"/>
+          </a:xfrm>
+          <a:prstGeom prst="rect">
+            <a:avLst/>
+          </a:prstGeom>
+        </p:spPr>
+        <p:style>
+          <a:lnRef idx="2">
+            <a:schemeClr val="accent1">
+              <a:shade val="50000"/>
+            </a:schemeClr>
+          </a:lnRef>
+          <a:fillRef idx="1">
+            <a:schemeClr val="accent1"/>
+          </a:fillRef>
+          <a:effectRef idx="0">
+            <a:schemeClr val="accent1"/>
+          </a:effectRef>
+          <a:fontRef idx="minor">
+            <a:schemeClr val="lt1"/>
+          </a:fontRef>
+        </p:style>
+        <p:txBody>
+          <a:bodyPr rtlCol="0" anchor="ctr"/>
+          <a:lstStyle/>
+          <a:p>
+            <a:pPr algn="ctr"/>
+            <a:r>
+              <a:rPr lang="zh-CN" altLang="en-US" dirty="0" smtClean="0"/>
+              <a:t>地址选择</a:t>
+            </a:r>
+            <a:endParaRPr lang="en-US" altLang="zh-CN" dirty="0" smtClean="0"/>
+          </a:p>
+          <a:p>
+            <a:pPr algn="ctr"/>
+            <a:r>
+              <a:rPr lang="zh-CN" altLang="en-US" dirty="0" smtClean="0"/>
+              <a:t>生成器</a:t>
+            </a:r>
+            <a:r>
+              <a:rPr lang="en-US" altLang="zh-CN" dirty="0" smtClean="0"/>
+              <a:t>2</a:t>
+            </a:r>
+            <a:endParaRPr lang="zh-CN" altLang="en-US" dirty="0"/>
+          </a:p>
+        </p:txBody>
+      </p:sp>
+      <p:sp>
+        <p:nvSpPr>
+          <p:cNvPr id="11" name="矩形 10"/>
+          <p:cNvSpPr/>
+          <p:nvPr/>
+        </p:nvSpPr>
+        <p:spPr>
+          <a:xfrm>
+            <a:off x="7609258" y="1700808"/>
+            <a:ext cx="1233137" cy="720080"/>
+          </a:xfrm>
+          <a:prstGeom prst="rect">
+            <a:avLst/>
+          </a:prstGeom>
+        </p:spPr>
+        <p:style>
+          <a:lnRef idx="2">
+            <a:schemeClr val="accent1">
+              <a:shade val="50000"/>
+            </a:schemeClr>
+          </a:lnRef>
+          <a:fillRef idx="1">
+            <a:schemeClr val="accent1"/>
+          </a:fillRef>
+          <a:effectRef idx="0">
+            <a:schemeClr val="accent1"/>
+          </a:effectRef>
+          <a:fontRef idx="minor">
+            <a:schemeClr val="lt1"/>
+          </a:fontRef>
+        </p:style>
+        <p:txBody>
+          <a:bodyPr rtlCol="0" anchor="ctr"/>
+          <a:lstStyle/>
+          <a:p>
+            <a:pPr algn="ctr"/>
+            <a:r>
+              <a:rPr lang="en-US" altLang="zh-CN" dirty="0" smtClean="0"/>
+              <a:t>Log-map2</a:t>
+            </a:r>
+            <a:endParaRPr lang="zh-CN" altLang="en-US" dirty="0"/>
+          </a:p>
+        </p:txBody>
+      </p:sp>
+      <p:sp>
+        <p:nvSpPr>
+          <p:cNvPr id="12" name="矩形 11"/>
+          <p:cNvSpPr/>
+          <p:nvPr/>
+        </p:nvSpPr>
+        <p:spPr>
+          <a:xfrm>
+            <a:off x="4150690" y="4149080"/>
+            <a:ext cx="1363941" cy="720080"/>
+          </a:xfrm>
+          <a:prstGeom prst="rect">
+            <a:avLst/>
+          </a:prstGeom>
+        </p:spPr>
+        <p:style>
+          <a:lnRef idx="2">
+            <a:schemeClr val="accent1">
+              <a:shade val="50000"/>
+            </a:schemeClr>
+          </a:lnRef>
+          <a:fillRef idx="1">
+            <a:schemeClr val="accent1"/>
+          </a:fillRef>
+          <a:effectRef idx="0">
+            <a:schemeClr val="accent1"/>
+          </a:effectRef>
+          <a:fontRef idx="minor">
+            <a:schemeClr val="lt1"/>
+          </a:fontRef>
+        </p:style>
+        <p:txBody>
+          <a:bodyPr rtlCol="0" anchor="ctr"/>
+          <a:lstStyle/>
+          <a:p>
+            <a:pPr algn="ctr"/>
+            <a:r>
+              <a:rPr lang="zh-CN" altLang="en-US" dirty="0" smtClean="0"/>
+              <a:t>交织器</a:t>
+            </a:r>
+            <a:endParaRPr lang="zh-CN" altLang="en-US" dirty="0"/>
+          </a:p>
+        </p:txBody>
+      </p:sp>
+      <p:sp>
+        <p:nvSpPr>
+          <p:cNvPr id="13" name="矩形 12"/>
+          <p:cNvSpPr/>
+          <p:nvPr/>
+        </p:nvSpPr>
+        <p:spPr>
+          <a:xfrm>
+            <a:off x="7402235" y="5183338"/>
+            <a:ext cx="1440160" cy="720080"/>
+          </a:xfrm>
+          <a:prstGeom prst="rect">
+            <a:avLst/>
+          </a:prstGeom>
+        </p:spPr>
+        <p:style>
+          <a:lnRef idx="2">
+            <a:schemeClr val="accent1">
+              <a:shade val="50000"/>
+            </a:schemeClr>
+          </a:lnRef>
+          <a:fillRef idx="1">
+            <a:schemeClr val="accent1"/>
+          </a:fillRef>
+          <a:effectRef idx="0">
+            <a:schemeClr val="accent1"/>
+          </a:effectRef>
+          <a:fontRef idx="minor">
+            <a:schemeClr val="lt1"/>
+          </a:fontRef>
+        </p:style>
+        <p:txBody>
+          <a:bodyPr rtlCol="0" anchor="ctr"/>
+          <a:lstStyle/>
+          <a:p>
+            <a:pPr algn="ctr"/>
+            <a:r>
+              <a:rPr lang="en-US" altLang="zh-CN" dirty="0" smtClean="0"/>
+              <a:t>Log-map1</a:t>
+            </a:r>
+            <a:endParaRPr lang="zh-CN" altLang="en-US" dirty="0"/>
+          </a:p>
+        </p:txBody>
+      </p:sp>
+      <p:sp>
+        <p:nvSpPr>
+          <p:cNvPr id="14" name="矩形 13"/>
+          <p:cNvSpPr/>
+          <p:nvPr/>
+        </p:nvSpPr>
+        <p:spPr>
+          <a:xfrm>
+            <a:off x="5652120" y="368660"/>
+            <a:ext cx="1584176" cy="720080"/>
+          </a:xfrm>
+          <a:prstGeom prst="rect">
+            <a:avLst/>
+          </a:prstGeom>
+        </p:spPr>
+        <p:style>
+          <a:lnRef idx="2">
+            <a:schemeClr val="accent1">
+              <a:shade val="50000"/>
+            </a:schemeClr>
+          </a:lnRef>
+          <a:fillRef idx="1">
+            <a:schemeClr val="accent1"/>
+          </a:fillRef>
+          <a:effectRef idx="0">
+            <a:schemeClr val="accent1"/>
+          </a:effectRef>
+          <a:fontRef idx="minor">
+            <a:schemeClr val="lt1"/>
+          </a:fontRef>
+        </p:style>
+        <p:txBody>
+          <a:bodyPr rtlCol="0" anchor="ctr"/>
+          <a:lstStyle/>
+          <a:p>
+            <a:pPr algn="ctr"/>
+            <a:r>
+              <a:rPr lang="en-US" altLang="zh-CN" dirty="0" smtClean="0"/>
+              <a:t>Systematic2_a</a:t>
+            </a:r>
+          </a:p>
+          <a:p>
+            <a:pPr algn="ctr"/>
+            <a:r>
+              <a:rPr lang="en-US" altLang="zh-CN" dirty="0" smtClean="0"/>
+              <a:t>(</a:t>
+            </a:r>
+            <a:r>
+              <a:rPr lang="zh-CN" altLang="en-US" dirty="0" smtClean="0"/>
+              <a:t>存储器</a:t>
+            </a:r>
+            <a:r>
+              <a:rPr lang="en-US" altLang="zh-CN" dirty="0" smtClean="0"/>
+              <a:t>)</a:t>
+            </a:r>
+            <a:endParaRPr lang="zh-CN" altLang="en-US" dirty="0"/>
+          </a:p>
+        </p:txBody>
+      </p:sp>
+      <p:sp>
+        <p:nvSpPr>
+          <p:cNvPr id="15" name="矩形 14"/>
+          <p:cNvSpPr/>
+          <p:nvPr/>
+        </p:nvSpPr>
+        <p:spPr>
+          <a:xfrm>
+            <a:off x="5940152" y="2852936"/>
+            <a:ext cx="1498087" cy="720080"/>
+          </a:xfrm>
+          <a:prstGeom prst="rect">
+            <a:avLst/>
+          </a:prstGeom>
+        </p:spPr>
+        <p:style>
+          <a:lnRef idx="2">
+            <a:schemeClr val="accent1">
+              <a:shade val="50000"/>
+            </a:schemeClr>
+          </a:lnRef>
+          <a:fillRef idx="1">
+            <a:schemeClr val="accent1"/>
+          </a:fillRef>
+          <a:effectRef idx="0">
+            <a:schemeClr val="accent1"/>
+          </a:effectRef>
+          <a:fontRef idx="minor">
+            <a:schemeClr val="lt1"/>
+          </a:fontRef>
+        </p:style>
+        <p:txBody>
+          <a:bodyPr rtlCol="0" anchor="ctr"/>
+          <a:lstStyle/>
+          <a:p>
+            <a:pPr algn="ctr"/>
+            <a:r>
+              <a:rPr lang="en-US" altLang="zh-CN" dirty="0" err="1" smtClean="0"/>
+              <a:t>Systematic_a</a:t>
+            </a:r>
+            <a:endParaRPr lang="en-US" altLang="zh-CN" dirty="0" smtClean="0"/>
+          </a:p>
+          <a:p>
+            <a:pPr algn="ctr"/>
+            <a:r>
+              <a:rPr lang="en-US" altLang="zh-CN" dirty="0" smtClean="0"/>
+              <a:t>(</a:t>
+            </a:r>
+            <a:r>
+              <a:rPr lang="zh-CN" altLang="en-US" dirty="0" smtClean="0"/>
+              <a:t>存储器</a:t>
+            </a:r>
+            <a:r>
+              <a:rPr lang="en-US" altLang="zh-CN" dirty="0" smtClean="0"/>
+              <a:t>)</a:t>
+            </a:r>
+            <a:endParaRPr lang="zh-CN" altLang="en-US" dirty="0"/>
+          </a:p>
+        </p:txBody>
+      </p:sp>
+      <p:grpSp>
+        <p:nvGrpSpPr>
+          <p:cNvPr id="18" name="组合 17"/>
+          <p:cNvGrpSpPr/>
+          <p:nvPr/>
+        </p:nvGrpSpPr>
+        <p:grpSpPr>
+          <a:xfrm>
+            <a:off x="6390202" y="1765346"/>
+            <a:ext cx="558062" cy="558062"/>
+            <a:chOff x="6018687" y="1765346"/>
+            <a:chExt cx="558062" cy="558062"/>
+          </a:xfrm>
+        </p:grpSpPr>
+        <p:sp>
+          <p:nvSpPr>
+            <p:cNvPr id="16" name="椭圆 15"/>
+            <p:cNvSpPr/>
+            <p:nvPr/>
+          </p:nvSpPr>
+          <p:spPr>
+            <a:xfrm>
+              <a:off x="6018687" y="1765346"/>
+              <a:ext cx="558062" cy="558062"/>
+            </a:xfrm>
+            <a:prstGeom prst="ellipse">
+              <a:avLst/>
+            </a:prstGeom>
+            <a:noFill/>
+          </p:spPr>
+          <p:style>
+            <a:lnRef idx="2">
+              <a:schemeClr val="accent1">
+                <a:shade val="50000"/>
+              </a:schemeClr>
+            </a:lnRef>
+            <a:fillRef idx="1">
+              <a:schemeClr val="accent1"/>
+            </a:fillRef>
+            <a:effectRef idx="0">
+              <a:schemeClr val="accent1"/>
+            </a:effectRef>
+            <a:fontRef idx="minor">
+              <a:schemeClr val="lt1"/>
+            </a:fontRef>
+          </p:style>
+          <p:txBody>
+            <a:bodyPr rtlCol="0" anchor="ctr"/>
+            <a:lstStyle/>
+            <a:p>
+              <a:pPr algn="ctr"/>
+              <a:endParaRPr lang="zh-CN" altLang="en-US"/>
+            </a:p>
+          </p:txBody>
+        </p:sp>
+        <p:sp>
+          <p:nvSpPr>
+            <p:cNvPr id="17" name="加号 16"/>
+            <p:cNvSpPr/>
+            <p:nvPr/>
+          </p:nvSpPr>
+          <p:spPr>
+            <a:xfrm>
+              <a:off x="6117698" y="1864357"/>
+              <a:ext cx="360040" cy="360040"/>
+            </a:xfrm>
+            <a:prstGeom prst="mathPlus">
+              <a:avLst/>
+            </a:prstGeom>
+            <a:solidFill>
+              <a:schemeClr val="accent1"/>
+            </a:solidFill>
+          </p:spPr>
+          <p:style>
+            <a:lnRef idx="2">
+              <a:schemeClr val="accent1">
+                <a:shade val="50000"/>
+              </a:schemeClr>
+            </a:lnRef>
+            <a:fillRef idx="1">
+              <a:schemeClr val="accent1"/>
+            </a:fillRef>
+            <a:effectRef idx="0">
+              <a:schemeClr val="accent1"/>
+            </a:effectRef>
+            <a:fontRef idx="minor">
+              <a:schemeClr val="lt1"/>
+            </a:fontRef>
+          </p:style>
+          <p:txBody>
+            <a:bodyPr rtlCol="0" anchor="ctr"/>
+            <a:lstStyle/>
+            <a:p>
+              <a:pPr algn="ctr"/>
+              <a:endParaRPr lang="zh-CN" altLang="en-US"/>
+            </a:p>
+          </p:txBody>
+        </p:sp>
+      </p:grpSp>
+      <p:grpSp>
+        <p:nvGrpSpPr>
+          <p:cNvPr id="19" name="组合 18"/>
+          <p:cNvGrpSpPr/>
+          <p:nvPr/>
+        </p:nvGrpSpPr>
+        <p:grpSpPr>
+          <a:xfrm>
+            <a:off x="7956376" y="2852936"/>
+            <a:ext cx="558062" cy="558062"/>
+            <a:chOff x="6018687" y="1765346"/>
+            <a:chExt cx="558062" cy="558062"/>
+          </a:xfrm>
+        </p:grpSpPr>
+        <p:sp>
+          <p:nvSpPr>
+            <p:cNvPr id="20" name="椭圆 19"/>
+            <p:cNvSpPr/>
+            <p:nvPr/>
+          </p:nvSpPr>
+          <p:spPr>
+            <a:xfrm>
+              <a:off x="6018687" y="1765346"/>
+              <a:ext cx="558062" cy="558062"/>
+            </a:xfrm>
+            <a:prstGeom prst="ellipse">
+              <a:avLst/>
+            </a:prstGeom>
+            <a:noFill/>
+          </p:spPr>
+          <p:style>
+            <a:lnRef idx="2">
+              <a:schemeClr val="accent1">
+                <a:shade val="50000"/>
+              </a:schemeClr>
+            </a:lnRef>
+            <a:fillRef idx="1">
+              <a:schemeClr val="accent1"/>
+            </a:fillRef>
+            <a:effectRef idx="0">
+              <a:schemeClr val="accent1"/>
+            </a:effectRef>
+            <a:fontRef idx="minor">
+              <a:schemeClr val="lt1"/>
+            </a:fontRef>
+          </p:style>
+          <p:txBody>
+            <a:bodyPr rtlCol="0" anchor="ctr"/>
+            <a:lstStyle/>
+            <a:p>
+              <a:pPr algn="ctr"/>
+              <a:endParaRPr lang="zh-CN" altLang="en-US"/>
+            </a:p>
+          </p:txBody>
+        </p:sp>
+        <p:sp>
+          <p:nvSpPr>
+            <p:cNvPr id="21" name="加号 20"/>
+            <p:cNvSpPr/>
+            <p:nvPr/>
+          </p:nvSpPr>
+          <p:spPr>
+            <a:xfrm>
+              <a:off x="6117698" y="1864357"/>
+              <a:ext cx="360040" cy="360040"/>
+            </a:xfrm>
+            <a:prstGeom prst="mathPlus">
+              <a:avLst/>
+            </a:prstGeom>
+            <a:solidFill>
+              <a:schemeClr val="accent1"/>
+            </a:solidFill>
+          </p:spPr>
+          <p:style>
+            <a:lnRef idx="2">
+              <a:schemeClr val="accent1">
+                <a:shade val="50000"/>
+              </a:schemeClr>
+            </a:lnRef>
+            <a:fillRef idx="1">
+              <a:schemeClr val="accent1"/>
+            </a:fillRef>
+            <a:effectRef idx="0">
+              <a:schemeClr val="accent1"/>
+            </a:effectRef>
+            <a:fontRef idx="minor">
+              <a:schemeClr val="lt1"/>
+            </a:fontRef>
+          </p:style>
+          <p:txBody>
+            <a:bodyPr rtlCol="0" anchor="ctr"/>
+            <a:lstStyle/>
+            <a:p>
+              <a:pPr algn="ctr"/>
+              <a:endParaRPr lang="zh-CN" altLang="en-US"/>
+            </a:p>
+          </p:txBody>
+        </p:sp>
+      </p:grpSp>
+      <p:cxnSp>
+        <p:nvCxnSpPr>
+          <p:cNvPr id="25" name="直接箭头连接符 24"/>
+          <p:cNvCxnSpPr/>
+          <p:nvPr/>
+        </p:nvCxnSpPr>
+        <p:spPr>
+          <a:xfrm>
+            <a:off x="971600" y="1864357"/>
+            <a:ext cx="1296144" cy="0"/>
+          </a:xfrm>
+          <a:prstGeom prst="straightConnector1">
+            <a:avLst/>
+          </a:prstGeom>
+          <a:ln>
+            <a:tailEnd type="triangle"/>
+          </a:ln>
+        </p:spPr>
+        <p:style>
+          <a:lnRef idx="1">
+            <a:schemeClr val="accent1"/>
+          </a:lnRef>
+          <a:fillRef idx="0">
+            <a:schemeClr val="accent1"/>
+          </a:fillRef>
+          <a:effectRef idx="0">
+            <a:schemeClr val="accent1"/>
+          </a:effectRef>
+          <a:fontRef idx="minor">
+            <a:schemeClr val="tx1"/>
+          </a:fontRef>
+        </p:style>
+      </p:cxnSp>
+      <p:cxnSp>
+        <p:nvCxnSpPr>
+          <p:cNvPr id="26" name="直接箭头连接符 25"/>
+          <p:cNvCxnSpPr/>
+          <p:nvPr/>
+        </p:nvCxnSpPr>
+        <p:spPr>
+          <a:xfrm>
+            <a:off x="971600" y="2177223"/>
+            <a:ext cx="1296144" cy="0"/>
+          </a:xfrm>
+          <a:prstGeom prst="straightConnector1">
+            <a:avLst/>
+          </a:prstGeom>
+          <a:ln>
+            <a:tailEnd type="triangle"/>
+          </a:ln>
+        </p:spPr>
+        <p:style>
+          <a:lnRef idx="1">
+            <a:schemeClr val="accent1"/>
+          </a:lnRef>
+          <a:fillRef idx="0">
+            <a:schemeClr val="accent1"/>
+          </a:fillRef>
+          <a:effectRef idx="0">
+            <a:schemeClr val="accent1"/>
+          </a:effectRef>
+          <a:fontRef idx="minor">
+            <a:schemeClr val="tx1"/>
+          </a:fontRef>
+        </p:style>
+      </p:cxnSp>
+      <p:cxnSp>
+        <p:nvCxnSpPr>
+          <p:cNvPr id="27" name="直接箭头连接符 26"/>
+          <p:cNvCxnSpPr>
+            <a:endCxn id="8" idx="1"/>
+          </p:cNvCxnSpPr>
+          <p:nvPr/>
+        </p:nvCxnSpPr>
+        <p:spPr>
+          <a:xfrm>
+            <a:off x="3707904" y="2060848"/>
+            <a:ext cx="504056" cy="0"/>
+          </a:xfrm>
+          <a:prstGeom prst="straightConnector1">
+            <a:avLst/>
+          </a:prstGeom>
+          <a:ln>
+            <a:tailEnd type="triangle"/>
+          </a:ln>
+        </p:spPr>
+        <p:style>
+          <a:lnRef idx="1">
+            <a:schemeClr val="accent1"/>
+          </a:lnRef>
+          <a:fillRef idx="0">
+            <a:schemeClr val="accent1"/>
+          </a:fillRef>
+          <a:effectRef idx="0">
+            <a:schemeClr val="accent1"/>
+          </a:effectRef>
+          <a:fontRef idx="minor">
+            <a:schemeClr val="tx1"/>
+          </a:fontRef>
+        </p:style>
+      </p:cxnSp>
+      <p:cxnSp>
+        <p:nvCxnSpPr>
+          <p:cNvPr id="30" name="直接箭头连接符 29"/>
+          <p:cNvCxnSpPr>
+            <a:stCxn id="8" idx="3"/>
+            <a:endCxn id="16" idx="2"/>
+          </p:cNvCxnSpPr>
+          <p:nvPr/>
+        </p:nvCxnSpPr>
+        <p:spPr>
+          <a:xfrm flipV="1">
+            <a:off x="5436096" y="2044377"/>
+            <a:ext cx="954106" cy="16471"/>
+          </a:xfrm>
+          <a:prstGeom prst="straightConnector1">
+            <a:avLst/>
+          </a:prstGeom>
+          <a:ln>
+            <a:tailEnd type="triangle"/>
+          </a:ln>
+        </p:spPr>
+        <p:style>
+          <a:lnRef idx="1">
+            <a:schemeClr val="accent1"/>
+          </a:lnRef>
+          <a:fillRef idx="0">
+            <a:schemeClr val="accent1"/>
+          </a:fillRef>
+          <a:effectRef idx="0">
+            <a:schemeClr val="accent1"/>
+          </a:effectRef>
+          <a:fontRef idx="minor">
+            <a:schemeClr val="tx1"/>
+          </a:fontRef>
+        </p:style>
+      </p:cxnSp>
+      <p:cxnSp>
+        <p:nvCxnSpPr>
+          <p:cNvPr id="32" name="直接箭头连接符 31"/>
+          <p:cNvCxnSpPr/>
+          <p:nvPr/>
+        </p:nvCxnSpPr>
+        <p:spPr>
+          <a:xfrm>
+            <a:off x="6576749" y="2023876"/>
+            <a:ext cx="1032509" cy="0"/>
+          </a:xfrm>
+          <a:prstGeom prst="straightConnector1">
+            <a:avLst/>
+          </a:prstGeom>
+          <a:ln>
+            <a:tailEnd type="triangle"/>
+          </a:ln>
+        </p:spPr>
+        <p:style>
+          <a:lnRef idx="1">
+            <a:schemeClr val="accent1"/>
+          </a:lnRef>
+          <a:fillRef idx="0">
+            <a:schemeClr val="accent1"/>
+          </a:fillRef>
+          <a:effectRef idx="0">
+            <a:schemeClr val="accent1"/>
+          </a:effectRef>
+          <a:fontRef idx="minor">
+            <a:schemeClr val="tx1"/>
+          </a:fontRef>
+        </p:style>
+      </p:cxnSp>
+      <p:cxnSp>
+        <p:nvCxnSpPr>
+          <p:cNvPr id="34" name="直接箭头连接符 33"/>
+          <p:cNvCxnSpPr>
+            <a:stCxn id="10" idx="3"/>
+            <a:endCxn id="15" idx="1"/>
+          </p:cNvCxnSpPr>
+          <p:nvPr/>
+        </p:nvCxnSpPr>
+        <p:spPr>
+          <a:xfrm>
+            <a:off x="5514631" y="3212976"/>
+            <a:ext cx="425521" cy="0"/>
+          </a:xfrm>
+          <a:prstGeom prst="straightConnector1">
+            <a:avLst/>
+          </a:prstGeom>
+          <a:ln>
+            <a:tailEnd type="triangle"/>
+          </a:ln>
+        </p:spPr>
+        <p:style>
+          <a:lnRef idx="1">
+            <a:schemeClr val="accent1"/>
+          </a:lnRef>
+          <a:fillRef idx="0">
+            <a:schemeClr val="accent1"/>
+          </a:fillRef>
+          <a:effectRef idx="0">
+            <a:schemeClr val="accent1"/>
+          </a:effectRef>
+          <a:fontRef idx="minor">
+            <a:schemeClr val="tx1"/>
+          </a:fontRef>
+        </p:style>
+      </p:cxnSp>
+      <p:cxnSp>
+        <p:nvCxnSpPr>
+          <p:cNvPr id="36" name="直接箭头连接符 35"/>
+          <p:cNvCxnSpPr>
+            <a:endCxn id="20" idx="2"/>
+          </p:cNvCxnSpPr>
+          <p:nvPr/>
+        </p:nvCxnSpPr>
+        <p:spPr>
+          <a:xfrm>
+            <a:off x="7263299" y="3111466"/>
+            <a:ext cx="693077" cy="20501"/>
+          </a:xfrm>
+          <a:prstGeom prst="straightConnector1">
+            <a:avLst/>
+          </a:prstGeom>
+          <a:ln>
+            <a:tailEnd type="triangle"/>
+          </a:ln>
+        </p:spPr>
+        <p:style>
+          <a:lnRef idx="1">
+            <a:schemeClr val="accent1"/>
+          </a:lnRef>
+          <a:fillRef idx="0">
+            <a:schemeClr val="accent1"/>
+          </a:fillRef>
+          <a:effectRef idx="0">
+            <a:schemeClr val="accent1"/>
+          </a:effectRef>
+          <a:fontRef idx="minor">
+            <a:schemeClr val="tx1"/>
+          </a:fontRef>
+        </p:style>
+      </p:cxnSp>
+      <p:cxnSp>
+        <p:nvCxnSpPr>
+          <p:cNvPr id="42" name="直接箭头连接符 41"/>
+          <p:cNvCxnSpPr>
+            <a:stCxn id="9" idx="1"/>
+            <a:endCxn id="4" idx="3"/>
+          </p:cNvCxnSpPr>
+          <p:nvPr/>
+        </p:nvCxnSpPr>
+        <p:spPr>
+          <a:xfrm flipH="1">
+            <a:off x="971600" y="3212976"/>
+            <a:ext cx="1296144" cy="0"/>
+          </a:xfrm>
+          <a:prstGeom prst="straightConnector1">
+            <a:avLst/>
+          </a:prstGeom>
+          <a:ln>
+            <a:tailEnd type="triangle"/>
+          </a:ln>
+        </p:spPr>
+        <p:style>
+          <a:lnRef idx="1">
+            <a:schemeClr val="accent1"/>
+          </a:lnRef>
+          <a:fillRef idx="0">
+            <a:schemeClr val="accent1"/>
+          </a:fillRef>
+          <a:effectRef idx="0">
+            <a:schemeClr val="accent1"/>
+          </a:effectRef>
+          <a:fontRef idx="minor">
+            <a:schemeClr val="tx1"/>
+          </a:fontRef>
+        </p:style>
+      </p:cxnSp>
+      <p:cxnSp>
+        <p:nvCxnSpPr>
+          <p:cNvPr id="44" name="直接箭头连接符 43"/>
+          <p:cNvCxnSpPr>
+            <a:stCxn id="12" idx="0"/>
+            <a:endCxn id="10" idx="2"/>
+          </p:cNvCxnSpPr>
+          <p:nvPr/>
+        </p:nvCxnSpPr>
+        <p:spPr>
+          <a:xfrm flipH="1" flipV="1">
+            <a:off x="4827292" y="3573016"/>
+            <a:ext cx="5369" cy="576064"/>
+          </a:xfrm>
+          <a:prstGeom prst="straightConnector1">
+            <a:avLst/>
+          </a:prstGeom>
+          <a:ln>
+            <a:tailEnd type="triangle"/>
+          </a:ln>
+        </p:spPr>
+        <p:style>
+          <a:lnRef idx="1">
+            <a:schemeClr val="accent1"/>
+          </a:lnRef>
+          <a:fillRef idx="0">
+            <a:schemeClr val="accent1"/>
+          </a:fillRef>
+          <a:effectRef idx="0">
+            <a:schemeClr val="accent1"/>
+          </a:effectRef>
+          <a:fontRef idx="minor">
+            <a:schemeClr val="tx1"/>
+          </a:fontRef>
+        </p:style>
+      </p:cxnSp>
+      <p:cxnSp>
+        <p:nvCxnSpPr>
+          <p:cNvPr id="46" name="直接箭头连接符 45"/>
+          <p:cNvCxnSpPr>
+            <a:stCxn id="10" idx="0"/>
+            <a:endCxn id="8" idx="2"/>
+          </p:cNvCxnSpPr>
+          <p:nvPr/>
+        </p:nvCxnSpPr>
+        <p:spPr>
+          <a:xfrm flipH="1" flipV="1">
+            <a:off x="4824028" y="2420888"/>
+            <a:ext cx="3264" cy="432048"/>
+          </a:xfrm>
+          <a:prstGeom prst="straightConnector1">
+            <a:avLst/>
+          </a:prstGeom>
+          <a:ln>
+            <a:tailEnd type="triangle"/>
+          </a:ln>
+        </p:spPr>
+        <p:style>
+          <a:lnRef idx="1">
+            <a:schemeClr val="accent1"/>
+          </a:lnRef>
+          <a:fillRef idx="0">
+            <a:schemeClr val="accent1"/>
+          </a:fillRef>
+          <a:effectRef idx="0">
+            <a:schemeClr val="accent1"/>
+          </a:effectRef>
+          <a:fontRef idx="minor">
+            <a:schemeClr val="tx1"/>
+          </a:fontRef>
+        </p:style>
+      </p:cxnSp>
+      <p:cxnSp>
+        <p:nvCxnSpPr>
+          <p:cNvPr id="61" name="直接箭头连接符 60"/>
+          <p:cNvCxnSpPr>
+            <a:stCxn id="15" idx="0"/>
+            <a:endCxn id="16" idx="4"/>
+          </p:cNvCxnSpPr>
+          <p:nvPr/>
+        </p:nvCxnSpPr>
+        <p:spPr>
+          <a:xfrm flipH="1" flipV="1">
+            <a:off x="6669233" y="2323408"/>
+            <a:ext cx="19963" cy="529528"/>
+          </a:xfrm>
+          <a:prstGeom prst="straightConnector1">
+            <a:avLst/>
+          </a:prstGeom>
+          <a:ln>
+            <a:tailEnd type="triangle"/>
+          </a:ln>
+        </p:spPr>
+        <p:style>
+          <a:lnRef idx="1">
+            <a:schemeClr val="accent1"/>
+          </a:lnRef>
+          <a:fillRef idx="0">
+            <a:schemeClr val="accent1"/>
+          </a:fillRef>
+          <a:effectRef idx="0">
+            <a:schemeClr val="accent1"/>
+          </a:effectRef>
+          <a:fontRef idx="minor">
+            <a:schemeClr val="tx1"/>
+          </a:fontRef>
+        </p:style>
+      </p:cxnSp>
+      <p:cxnSp>
+        <p:nvCxnSpPr>
+          <p:cNvPr id="64" name="直接箭头连接符 63"/>
+          <p:cNvCxnSpPr>
+            <a:stCxn id="16" idx="0"/>
+          </p:cNvCxnSpPr>
+          <p:nvPr/>
+        </p:nvCxnSpPr>
+        <p:spPr>
+          <a:xfrm flipH="1" flipV="1">
+            <a:off x="6650505" y="1104538"/>
+            <a:ext cx="18728" cy="660808"/>
+          </a:xfrm>
+          <a:prstGeom prst="straightConnector1">
+            <a:avLst/>
+          </a:prstGeom>
+          <a:ln>
+            <a:tailEnd type="triangle"/>
+          </a:ln>
+        </p:spPr>
+        <p:style>
+          <a:lnRef idx="1">
+            <a:schemeClr val="accent1"/>
+          </a:lnRef>
+          <a:fillRef idx="0">
+            <a:schemeClr val="accent1"/>
+          </a:fillRef>
+          <a:effectRef idx="0">
+            <a:schemeClr val="accent1"/>
+          </a:effectRef>
+          <a:fontRef idx="minor">
+            <a:schemeClr val="tx1"/>
+          </a:fontRef>
+        </p:style>
+      </p:cxnSp>
+      <p:cxnSp>
+        <p:nvCxnSpPr>
+          <p:cNvPr id="69" name="直接箭头连接符 68"/>
+          <p:cNvCxnSpPr>
+            <a:stCxn id="11" idx="2"/>
+            <a:endCxn id="20" idx="0"/>
+          </p:cNvCxnSpPr>
+          <p:nvPr/>
+        </p:nvCxnSpPr>
+        <p:spPr>
+          <a:xfrm>
+            <a:off x="8225827" y="2420888"/>
+            <a:ext cx="9580" cy="432048"/>
+          </a:xfrm>
+          <a:prstGeom prst="straightConnector1">
+            <a:avLst/>
+          </a:prstGeom>
+          <a:ln>
+            <a:tailEnd type="triangle"/>
+          </a:ln>
+        </p:spPr>
+        <p:style>
+          <a:lnRef idx="1">
+            <a:schemeClr val="accent1"/>
+          </a:lnRef>
+          <a:fillRef idx="0">
+            <a:schemeClr val="accent1"/>
+          </a:fillRef>
+          <a:effectRef idx="0">
+            <a:schemeClr val="accent1"/>
+          </a:effectRef>
+          <a:fontRef idx="minor">
+            <a:schemeClr val="tx1"/>
+          </a:fontRef>
+        </p:style>
+      </p:cxnSp>
+      <p:sp>
+        <p:nvSpPr>
+          <p:cNvPr id="70" name="矩形 69"/>
+          <p:cNvSpPr/>
+          <p:nvPr/>
+        </p:nvSpPr>
+        <p:spPr>
+          <a:xfrm>
+            <a:off x="7258219" y="3960186"/>
+            <a:ext cx="1584176" cy="720080"/>
+          </a:xfrm>
+          <a:prstGeom prst="rect">
+            <a:avLst/>
+          </a:prstGeom>
+        </p:spPr>
+        <p:style>
+          <a:lnRef idx="2">
+            <a:schemeClr val="accent1">
+              <a:shade val="50000"/>
+            </a:schemeClr>
+          </a:lnRef>
+          <a:fillRef idx="1">
+            <a:schemeClr val="accent1"/>
+          </a:fillRef>
+          <a:effectRef idx="0">
+            <a:schemeClr val="accent1"/>
+          </a:effectRef>
+          <a:fontRef idx="minor">
+            <a:schemeClr val="lt1"/>
+          </a:fontRef>
+        </p:style>
+        <p:txBody>
+          <a:bodyPr rtlCol="0" anchor="ctr"/>
+          <a:lstStyle/>
+          <a:p>
+            <a:pPr algn="ctr"/>
+            <a:r>
+              <a:rPr lang="en-US" altLang="zh-CN" dirty="0" smtClean="0"/>
+              <a:t>Systematic1_a</a:t>
+            </a:r>
+          </a:p>
+          <a:p>
+            <a:pPr algn="ctr"/>
+            <a:r>
+              <a:rPr lang="en-US" altLang="zh-CN" dirty="0" smtClean="0"/>
+              <a:t>(</a:t>
+            </a:r>
+            <a:r>
+              <a:rPr lang="zh-CN" altLang="en-US" dirty="0" smtClean="0"/>
+              <a:t>存储器</a:t>
+            </a:r>
+            <a:r>
+              <a:rPr lang="en-US" altLang="zh-CN" dirty="0" smtClean="0"/>
+              <a:t>)</a:t>
+            </a:r>
+            <a:endParaRPr lang="zh-CN" altLang="en-US" dirty="0"/>
+          </a:p>
+        </p:txBody>
+      </p:sp>
+      <p:cxnSp>
+        <p:nvCxnSpPr>
+          <p:cNvPr id="72" name="直接箭头连接符 71"/>
+          <p:cNvCxnSpPr>
+            <a:stCxn id="20" idx="4"/>
+          </p:cNvCxnSpPr>
+          <p:nvPr/>
+        </p:nvCxnSpPr>
+        <p:spPr>
+          <a:xfrm>
+            <a:off x="8235407" y="3410998"/>
+            <a:ext cx="0" cy="549188"/>
+          </a:xfrm>
+          <a:prstGeom prst="straightConnector1">
+            <a:avLst/>
+          </a:prstGeom>
+          <a:ln>
+            <a:tailEnd type="triangle"/>
+          </a:ln>
+        </p:spPr>
+        <p:style>
+          <a:lnRef idx="1">
+            <a:schemeClr val="accent1"/>
+          </a:lnRef>
+          <a:fillRef idx="0">
+            <a:schemeClr val="accent1"/>
+          </a:fillRef>
+          <a:effectRef idx="0">
+            <a:schemeClr val="accent1"/>
+          </a:effectRef>
+          <a:fontRef idx="minor">
+            <a:schemeClr val="tx1"/>
+          </a:fontRef>
+        </p:style>
+      </p:cxnSp>
+      <p:cxnSp>
+        <p:nvCxnSpPr>
+          <p:cNvPr id="74" name="肘形连接符 73"/>
+          <p:cNvCxnSpPr>
+            <a:endCxn id="13" idx="1"/>
+          </p:cNvCxnSpPr>
+          <p:nvPr/>
+        </p:nvCxnSpPr>
+        <p:spPr>
+          <a:xfrm>
+            <a:off x="1384366" y="2177223"/>
+            <a:ext cx="6017869" cy="3366155"/>
+          </a:xfrm>
+          <a:prstGeom prst="bentConnector3">
+            <a:avLst>
+              <a:gd name="adj1" fmla="val 1377"/>
+            </a:avLst>
+          </a:prstGeom>
+          <a:ln>
+            <a:tailEnd type="triangle"/>
+          </a:ln>
+        </p:spPr>
+        <p:style>
+          <a:lnRef idx="1">
+            <a:schemeClr val="accent1"/>
+          </a:lnRef>
+          <a:fillRef idx="0">
+            <a:schemeClr val="accent1"/>
+          </a:fillRef>
+          <a:effectRef idx="0">
+            <a:schemeClr val="accent1"/>
+          </a:effectRef>
+          <a:fontRef idx="minor">
+            <a:schemeClr val="tx1"/>
+          </a:fontRef>
+        </p:style>
+      </p:cxnSp>
+      <p:cxnSp>
+        <p:nvCxnSpPr>
+          <p:cNvPr id="77" name="肘形连接符 76"/>
+          <p:cNvCxnSpPr/>
+          <p:nvPr/>
+        </p:nvCxnSpPr>
+        <p:spPr>
+          <a:xfrm flipV="1">
+            <a:off x="971600" y="2224397"/>
+            <a:ext cx="6637658" cy="363775"/>
+          </a:xfrm>
+          <a:prstGeom prst="bentConnector3">
+            <a:avLst>
+              <a:gd name="adj1" fmla="val 94542"/>
+            </a:avLst>
+          </a:prstGeom>
+          <a:ln>
+            <a:tailEnd type="triangle"/>
+          </a:ln>
+        </p:spPr>
+        <p:style>
+          <a:lnRef idx="1">
+            <a:schemeClr val="accent1"/>
+          </a:lnRef>
+          <a:fillRef idx="0">
+            <a:schemeClr val="accent1"/>
+          </a:fillRef>
+          <a:effectRef idx="0">
+            <a:schemeClr val="accent1"/>
+          </a:effectRef>
+          <a:fontRef idx="minor">
+            <a:schemeClr val="tx1"/>
+          </a:fontRef>
+        </p:style>
+      </p:cxnSp>
+      <p:cxnSp>
+        <p:nvCxnSpPr>
+          <p:cNvPr id="84" name="直接箭头连接符 83"/>
+          <p:cNvCxnSpPr>
+            <a:stCxn id="70" idx="2"/>
+          </p:cNvCxnSpPr>
+          <p:nvPr/>
+        </p:nvCxnSpPr>
+        <p:spPr>
+          <a:xfrm>
+            <a:off x="8050307" y="4680266"/>
+            <a:ext cx="5080" cy="503072"/>
+          </a:xfrm>
+          <a:prstGeom prst="straightConnector1">
+            <a:avLst/>
+          </a:prstGeom>
+          <a:ln>
+            <a:tailEnd type="triangle"/>
+          </a:ln>
+        </p:spPr>
+        <p:style>
+          <a:lnRef idx="1">
+            <a:schemeClr val="accent1"/>
+          </a:lnRef>
+          <a:fillRef idx="0">
+            <a:schemeClr val="accent1"/>
+          </a:fillRef>
+          <a:effectRef idx="0">
+            <a:schemeClr val="accent1"/>
+          </a:effectRef>
+          <a:fontRef idx="minor">
+            <a:schemeClr val="tx1"/>
+          </a:fontRef>
+        </p:style>
+      </p:cxnSp>
+      <p:cxnSp>
+        <p:nvCxnSpPr>
+          <p:cNvPr id="86" name="肘形连接符 85"/>
+          <p:cNvCxnSpPr>
+            <a:stCxn id="13" idx="3"/>
+            <a:endCxn id="8" idx="0"/>
+          </p:cNvCxnSpPr>
+          <p:nvPr/>
+        </p:nvCxnSpPr>
+        <p:spPr>
+          <a:xfrm flipH="1" flipV="1">
+            <a:off x="4824028" y="1700808"/>
+            <a:ext cx="4018367" cy="3842570"/>
+          </a:xfrm>
+          <a:prstGeom prst="bentConnector4">
+            <a:avLst>
+              <a:gd name="adj1" fmla="val -5689"/>
+              <a:gd name="adj2" fmla="val 141247"/>
+            </a:avLst>
+          </a:prstGeom>
+          <a:ln>
+            <a:tailEnd type="triangle"/>
+          </a:ln>
+        </p:spPr>
+        <p:style>
+          <a:lnRef idx="1">
+            <a:schemeClr val="accent1"/>
+          </a:lnRef>
+          <a:fillRef idx="0">
+            <a:schemeClr val="accent1"/>
+          </a:fillRef>
+          <a:effectRef idx="0">
+            <a:schemeClr val="accent1"/>
+          </a:effectRef>
+          <a:fontRef idx="minor">
+            <a:schemeClr val="tx1"/>
+          </a:fontRef>
+        </p:style>
+      </p:cxnSp>
+      <p:sp>
+        <p:nvSpPr>
+          <p:cNvPr id="88" name="文本框 87"/>
+          <p:cNvSpPr txBox="1"/>
+          <p:nvPr/>
+        </p:nvSpPr>
+        <p:spPr>
+          <a:xfrm>
+            <a:off x="966652" y="1445871"/>
+            <a:ext cx="1286891" cy="369332"/>
+          </a:xfrm>
+          <a:prstGeom prst="rect">
+            <a:avLst/>
+          </a:prstGeom>
+          <a:noFill/>
+        </p:spPr>
+        <p:txBody>
+          <a:bodyPr wrap="none" rtlCol="0">
+            <a:spAutoFit/>
+          </a:bodyPr>
+          <a:lstStyle/>
+          <a:p>
+            <a:r>
+              <a:rPr lang="en-US" altLang="zh-CN" dirty="0" smtClean="0"/>
+              <a:t>systematic0</a:t>
+            </a:r>
+            <a:endParaRPr lang="zh-CN" altLang="en-US" dirty="0"/>
+          </a:p>
+        </p:txBody>
+      </p:sp>
+      <p:sp>
+        <p:nvSpPr>
+          <p:cNvPr id="89" name="文本框 88"/>
+          <p:cNvSpPr txBox="1"/>
+          <p:nvPr/>
+        </p:nvSpPr>
+        <p:spPr>
+          <a:xfrm>
+            <a:off x="1060975" y="1831057"/>
+            <a:ext cx="952505" cy="369332"/>
+          </a:xfrm>
+          <a:prstGeom prst="rect">
+            <a:avLst/>
+          </a:prstGeom>
+          <a:noFill/>
+        </p:spPr>
+        <p:txBody>
+          <a:bodyPr wrap="none" rtlCol="0">
+            <a:spAutoFit/>
+          </a:bodyPr>
+          <a:lstStyle/>
+          <a:p>
+            <a:r>
+              <a:rPr lang="en-US" altLang="zh-CN" dirty="0" smtClean="0"/>
+              <a:t>yparity1</a:t>
+            </a:r>
+          </a:p>
+        </p:txBody>
+      </p:sp>
+      <p:sp>
+        <p:nvSpPr>
+          <p:cNvPr id="90" name="文本框 89"/>
+          <p:cNvSpPr txBox="1"/>
+          <p:nvPr/>
+        </p:nvSpPr>
+        <p:spPr>
+          <a:xfrm>
+            <a:off x="3724834" y="1704525"/>
+            <a:ext cx="473656" cy="369332"/>
+          </a:xfrm>
+          <a:prstGeom prst="rect">
+            <a:avLst/>
+          </a:prstGeom>
+          <a:noFill/>
+        </p:spPr>
+        <p:txBody>
+          <a:bodyPr wrap="none" rtlCol="0">
+            <a:spAutoFit/>
+          </a:bodyPr>
+          <a:lstStyle/>
+          <a:p>
+            <a:r>
+              <a:rPr lang="en-US" altLang="zh-CN" dirty="0" err="1" smtClean="0"/>
+              <a:t>ext</a:t>
+            </a:r>
+            <a:endParaRPr lang="zh-CN" altLang="en-US" dirty="0"/>
+          </a:p>
+        </p:txBody>
+      </p:sp>
+      <p:sp>
+        <p:nvSpPr>
+          <p:cNvPr id="91" name="文本框 90"/>
+          <p:cNvSpPr txBox="1"/>
+          <p:nvPr/>
+        </p:nvSpPr>
+        <p:spPr>
+          <a:xfrm>
+            <a:off x="3587956" y="2527971"/>
+            <a:ext cx="952505" cy="369332"/>
+          </a:xfrm>
+          <a:prstGeom prst="rect">
+            <a:avLst/>
+          </a:prstGeom>
+          <a:noFill/>
+        </p:spPr>
+        <p:txBody>
+          <a:bodyPr wrap="none" rtlCol="0">
+            <a:spAutoFit/>
+          </a:bodyPr>
+          <a:lstStyle/>
+          <a:p>
+            <a:r>
+              <a:rPr lang="en-US" altLang="zh-CN" dirty="0" smtClean="0"/>
+              <a:t>yparity2</a:t>
+            </a:r>
+            <a:endParaRPr lang="zh-CN" altLang="en-US" dirty="0"/>
+          </a:p>
+        </p:txBody>
+      </p:sp>
+      <p:sp>
+        <p:nvSpPr>
+          <p:cNvPr id="92" name="文本框 91"/>
+          <p:cNvSpPr txBox="1"/>
+          <p:nvPr/>
+        </p:nvSpPr>
+        <p:spPr>
+          <a:xfrm>
+            <a:off x="6709863" y="1414927"/>
+            <a:ext cx="1286891" cy="369332"/>
+          </a:xfrm>
+          <a:prstGeom prst="rect">
+            <a:avLst/>
+          </a:prstGeom>
+          <a:noFill/>
+        </p:spPr>
+        <p:txBody>
+          <a:bodyPr wrap="none" rtlCol="0">
+            <a:spAutoFit/>
+          </a:bodyPr>
+          <a:lstStyle/>
+          <a:p>
+            <a:r>
+              <a:rPr lang="en-US" altLang="zh-CN" dirty="0" smtClean="0"/>
+              <a:t>systematic2</a:t>
+            </a:r>
+            <a:endParaRPr lang="zh-CN" altLang="en-US" dirty="0"/>
+          </a:p>
+        </p:txBody>
+      </p:sp>
+      <p:sp>
+        <p:nvSpPr>
+          <p:cNvPr id="93" name="文本框 92"/>
+          <p:cNvSpPr txBox="1"/>
+          <p:nvPr/>
+        </p:nvSpPr>
+        <p:spPr>
+          <a:xfrm>
+            <a:off x="8221326" y="2452246"/>
+            <a:ext cx="590675" cy="369332"/>
+          </a:xfrm>
+          <a:prstGeom prst="rect">
+            <a:avLst/>
+          </a:prstGeom>
+          <a:noFill/>
+        </p:spPr>
+        <p:txBody>
+          <a:bodyPr wrap="none" rtlCol="0">
+            <a:spAutoFit/>
+          </a:bodyPr>
+          <a:lstStyle/>
+          <a:p>
+            <a:r>
+              <a:rPr lang="en-US" altLang="zh-CN" dirty="0" smtClean="0"/>
+              <a:t>ext2</a:t>
+            </a:r>
+            <a:endParaRPr lang="zh-CN" altLang="en-US" dirty="0"/>
+          </a:p>
+        </p:txBody>
+      </p:sp>
+      <p:sp>
+        <p:nvSpPr>
+          <p:cNvPr id="94" name="文本框 93"/>
+          <p:cNvSpPr txBox="1"/>
+          <p:nvPr/>
+        </p:nvSpPr>
+        <p:spPr>
+          <a:xfrm>
+            <a:off x="6776792" y="4737333"/>
+            <a:ext cx="1286891" cy="369332"/>
+          </a:xfrm>
+          <a:prstGeom prst="rect">
+            <a:avLst/>
+          </a:prstGeom>
+          <a:noFill/>
+        </p:spPr>
+        <p:txBody>
+          <a:bodyPr wrap="none" rtlCol="0">
+            <a:spAutoFit/>
+          </a:bodyPr>
+          <a:lstStyle/>
+          <a:p>
+            <a:r>
+              <a:rPr lang="en-US" altLang="zh-CN" dirty="0" smtClean="0"/>
+              <a:t>systematic1</a:t>
+            </a:r>
+            <a:endParaRPr lang="zh-CN" altLang="en-US" dirty="0"/>
+          </a:p>
+        </p:txBody>
+      </p:sp>
+      <p:sp>
+        <p:nvSpPr>
+          <p:cNvPr id="95" name="文本框 94"/>
+          <p:cNvSpPr txBox="1"/>
+          <p:nvPr/>
+        </p:nvSpPr>
+        <p:spPr>
+          <a:xfrm>
+            <a:off x="7576651" y="91280"/>
+            <a:ext cx="590675" cy="369332"/>
+          </a:xfrm>
+          <a:prstGeom prst="rect">
+            <a:avLst/>
+          </a:prstGeom>
+          <a:noFill/>
+        </p:spPr>
+        <p:txBody>
+          <a:bodyPr wrap="none" rtlCol="0">
+            <a:spAutoFit/>
+          </a:bodyPr>
+          <a:lstStyle/>
+          <a:p>
+            <a:r>
+              <a:rPr lang="en-US" altLang="zh-CN" dirty="0" smtClean="0"/>
+              <a:t>ext3</a:t>
+            </a:r>
+            <a:endParaRPr lang="zh-CN" altLang="en-US" dirty="0"/>
+          </a:p>
+        </p:txBody>
+      </p:sp>
+    </p:spTree>
+    <p:extLst>
+      <p:ext uri="{BB962C8B-B14F-4D97-AF65-F5344CB8AC3E}">
+        <p14:creationId xmlns:p14="http://schemas.microsoft.com/office/powerpoint/2010/main" val="709107824"/>
       </p:ext>
     </p:extLst>
   </p:cSld>
